--- a/docs/posts/2020-03-21-build-a-touch-free-disinfection-dispenser/touchfreeDispenser.pptx
+++ b/docs/posts/2020-03-21-build-a-touch-free-disinfection-dispenser/touchfreeDispenser.pptx
@@ -3423,138 +3423,12 @@
           <a:chExt cx="0" cy="0"/>
         </a:xfrm>
       </p:grpSpPr>
-      <p:pic>
-        <p:nvPicPr>
-          <p:cNvPr id="3" name="Picture 2">
-            <a:extLst>
-              <a:ext uri="{FF2B5EF4-FFF2-40B4-BE49-F238E27FC236}">
-                <a16:creationId xmlns:a16="http://schemas.microsoft.com/office/drawing/2014/main" id="{03EDD0D9-3850-B841-9B6A-CD483EED1087}"/>
-              </a:ext>
-            </a:extLst>
-          </p:cNvPr>
-          <p:cNvPicPr>
-            <a:picLocks noChangeAspect="1"/>
-          </p:cNvPicPr>
-          <p:nvPr/>
-        </p:nvPicPr>
-        <p:blipFill>
-          <a:blip r:embed="rId2"/>
-          <a:stretch>
-            <a:fillRect/>
-          </a:stretch>
-        </p:blipFill>
-        <p:spPr>
-          <a:xfrm>
-            <a:off x="6596807" y="3860233"/>
-            <a:ext cx="1905000" cy="1905000"/>
-          </a:xfrm>
-          <a:prstGeom prst="rect">
-            <a:avLst/>
-          </a:prstGeom>
-        </p:spPr>
-      </p:pic>
-      <p:pic>
-        <p:nvPicPr>
-          <p:cNvPr id="2" name="Picture 1">
-            <a:extLst>
-              <a:ext uri="{FF2B5EF4-FFF2-40B4-BE49-F238E27FC236}">
-                <a16:creationId xmlns:a16="http://schemas.microsoft.com/office/drawing/2014/main" id="{C5F02508-8BD1-A746-B104-B874796DCB9C}"/>
-              </a:ext>
-            </a:extLst>
-          </p:cNvPr>
-          <p:cNvPicPr>
-            <a:picLocks noChangeAspect="1"/>
-          </p:cNvPicPr>
-          <p:nvPr/>
-        </p:nvPicPr>
-        <p:blipFill>
-          <a:blip r:embed="rId3"/>
-          <a:stretch>
-            <a:fillRect/>
-          </a:stretch>
-        </p:blipFill>
-        <p:spPr>
-          <a:xfrm>
-            <a:off x="6856499" y="2200192"/>
-            <a:ext cx="1905000" cy="1905000"/>
-          </a:xfrm>
-          <a:prstGeom prst="rect">
-            <a:avLst/>
-          </a:prstGeom>
-        </p:spPr>
-      </p:pic>
-      <p:pic>
-        <p:nvPicPr>
-          <p:cNvPr id="12" name="Picture 11">
-            <a:extLst>
-              <a:ext uri="{FF2B5EF4-FFF2-40B4-BE49-F238E27FC236}">
-                <a16:creationId xmlns:a16="http://schemas.microsoft.com/office/drawing/2014/main" id="{AF2B0F13-EE25-9243-9166-3FC284D48A82}"/>
-              </a:ext>
-            </a:extLst>
-          </p:cNvPr>
-          <p:cNvPicPr>
-            <a:picLocks noChangeAspect="1"/>
-          </p:cNvPicPr>
-          <p:nvPr/>
-        </p:nvPicPr>
-        <p:blipFill>
-          <a:blip r:embed="rId4"/>
-          <a:stretch>
-            <a:fillRect/>
-          </a:stretch>
-        </p:blipFill>
-        <p:spPr>
-          <a:xfrm rot="16361468">
-            <a:off x="6367749" y="1325153"/>
-            <a:ext cx="1202936" cy="1202936"/>
-          </a:xfrm>
-          <a:prstGeom prst="rect">
-            <a:avLst/>
-          </a:prstGeom>
-        </p:spPr>
-      </p:pic>
-      <p:pic>
-        <p:nvPicPr>
-          <p:cNvPr id="15" name="Graphic 14" descr="Sign Language">
-            <a:extLst>
-              <a:ext uri="{FF2B5EF4-FFF2-40B4-BE49-F238E27FC236}">
-                <a16:creationId xmlns:a16="http://schemas.microsoft.com/office/drawing/2014/main" id="{CF3D70C2-5772-9B41-A0C3-D4CE9D1D3CAD}"/>
-              </a:ext>
-            </a:extLst>
-          </p:cNvPr>
-          <p:cNvPicPr>
-            <a:picLocks noChangeAspect="1"/>
-          </p:cNvPicPr>
-          <p:nvPr/>
-        </p:nvPicPr>
-        <p:blipFill>
-          <a:blip r:embed="rId5">
-            <a:extLst>
-              <a:ext uri="{96DAC541-7B7A-43D3-8B79-37D633B846F1}">
-                <asvg:svgBlip xmlns:asvg="http://schemas.microsoft.com/office/drawing/2016/SVG/main" r:embed="rId6"/>
-              </a:ext>
-            </a:extLst>
-          </a:blip>
-          <a:stretch>
-            <a:fillRect/>
-          </a:stretch>
-        </p:blipFill>
-        <p:spPr>
-          <a:xfrm>
-            <a:off x="4475551" y="1469422"/>
-            <a:ext cx="914400" cy="914400"/>
-          </a:xfrm>
-          <a:prstGeom prst="rect">
-            <a:avLst/>
-          </a:prstGeom>
-        </p:spPr>
-      </p:pic>
       <p:grpSp>
         <p:nvGrpSpPr>
-          <p:cNvPr id="20" name="Group 19">
-            <a:extLst>
-              <a:ext uri="{FF2B5EF4-FFF2-40B4-BE49-F238E27FC236}">
-                <a16:creationId xmlns:a16="http://schemas.microsoft.com/office/drawing/2014/main" id="{A1F5C3DE-7306-B643-9077-224A2515BF6C}"/>
+          <p:cNvPr id="62" name="Group 61">
+            <a:extLst>
+              <a:ext uri="{FF2B5EF4-FFF2-40B4-BE49-F238E27FC236}">
+                <a16:creationId xmlns:a16="http://schemas.microsoft.com/office/drawing/2014/main" id="{791C4FBA-0B42-454B-9635-F03BDE10231D}"/>
               </a:ext>
             </a:extLst>
           </p:cNvPr>
@@ -3563,18 +3437,144 @@
         </p:nvGrpSpPr>
         <p:grpSpPr>
           <a:xfrm>
-            <a:off x="1505610" y="383509"/>
-            <a:ext cx="3633628" cy="2753826"/>
-            <a:chOff x="3816231" y="1563379"/>
-            <a:chExt cx="3633628" cy="2753826"/>
+            <a:off x="1421912" y="330708"/>
+            <a:ext cx="9146549" cy="5666055"/>
+            <a:chOff x="1421912" y="330708"/>
+            <a:chExt cx="9146549" cy="5666055"/>
           </a:xfrm>
         </p:grpSpPr>
+        <p:pic>
+          <p:nvPicPr>
+            <p:cNvPr id="3" name="Picture 2">
+              <a:extLst>
+                <a:ext uri="{FF2B5EF4-FFF2-40B4-BE49-F238E27FC236}">
+                  <a16:creationId xmlns:a16="http://schemas.microsoft.com/office/drawing/2014/main" id="{03EDD0D9-3850-B841-9B6A-CD483EED1087}"/>
+                </a:ext>
+              </a:extLst>
+            </p:cNvPr>
+            <p:cNvPicPr>
+              <a:picLocks noChangeAspect="1"/>
+            </p:cNvPicPr>
+            <p:nvPr/>
+          </p:nvPicPr>
+          <p:blipFill>
+            <a:blip r:embed="rId2"/>
+            <a:stretch>
+              <a:fillRect/>
+            </a:stretch>
+          </p:blipFill>
+          <p:spPr>
+            <a:xfrm>
+              <a:off x="6596807" y="3860233"/>
+              <a:ext cx="1905000" cy="1905000"/>
+            </a:xfrm>
+            <a:prstGeom prst="rect">
+              <a:avLst/>
+            </a:prstGeom>
+          </p:spPr>
+        </p:pic>
+        <p:pic>
+          <p:nvPicPr>
+            <p:cNvPr id="2" name="Picture 1">
+              <a:extLst>
+                <a:ext uri="{FF2B5EF4-FFF2-40B4-BE49-F238E27FC236}">
+                  <a16:creationId xmlns:a16="http://schemas.microsoft.com/office/drawing/2014/main" id="{C5F02508-8BD1-A746-B104-B874796DCB9C}"/>
+                </a:ext>
+              </a:extLst>
+            </p:cNvPr>
+            <p:cNvPicPr>
+              <a:picLocks noChangeAspect="1"/>
+            </p:cNvPicPr>
+            <p:nvPr/>
+          </p:nvPicPr>
+          <p:blipFill>
+            <a:blip r:embed="rId3"/>
+            <a:stretch>
+              <a:fillRect/>
+            </a:stretch>
+          </p:blipFill>
+          <p:spPr>
+            <a:xfrm>
+              <a:off x="6856499" y="2200192"/>
+              <a:ext cx="1905000" cy="1905000"/>
+            </a:xfrm>
+            <a:prstGeom prst="rect">
+              <a:avLst/>
+            </a:prstGeom>
+          </p:spPr>
+        </p:pic>
+        <p:pic>
+          <p:nvPicPr>
+            <p:cNvPr id="12" name="Picture 11">
+              <a:extLst>
+                <a:ext uri="{FF2B5EF4-FFF2-40B4-BE49-F238E27FC236}">
+                  <a16:creationId xmlns:a16="http://schemas.microsoft.com/office/drawing/2014/main" id="{AF2B0F13-EE25-9243-9166-3FC284D48A82}"/>
+                </a:ext>
+              </a:extLst>
+            </p:cNvPr>
+            <p:cNvPicPr>
+              <a:picLocks noChangeAspect="1"/>
+            </p:cNvPicPr>
+            <p:nvPr/>
+          </p:nvPicPr>
+          <p:blipFill>
+            <a:blip r:embed="rId4"/>
+            <a:stretch>
+              <a:fillRect/>
+            </a:stretch>
+          </p:blipFill>
+          <p:spPr>
+            <a:xfrm rot="16361468">
+              <a:off x="6367749" y="1325153"/>
+              <a:ext cx="1202936" cy="1202936"/>
+            </a:xfrm>
+            <a:prstGeom prst="rect">
+              <a:avLst/>
+            </a:prstGeom>
+          </p:spPr>
+        </p:pic>
+        <p:pic>
+          <p:nvPicPr>
+            <p:cNvPr id="15" name="Graphic 14" descr="Sign Language">
+              <a:extLst>
+                <a:ext uri="{FF2B5EF4-FFF2-40B4-BE49-F238E27FC236}">
+                  <a16:creationId xmlns:a16="http://schemas.microsoft.com/office/drawing/2014/main" id="{CF3D70C2-5772-9B41-A0C3-D4CE9D1D3CAD}"/>
+                </a:ext>
+              </a:extLst>
+            </p:cNvPr>
+            <p:cNvPicPr>
+              <a:picLocks noChangeAspect="1"/>
+            </p:cNvPicPr>
+            <p:nvPr/>
+          </p:nvPicPr>
+          <p:blipFill>
+            <a:blip r:embed="rId5">
+              <a:extLst>
+                <a:ext uri="{96DAC541-7B7A-43D3-8B79-37D633B846F1}">
+                  <asvg:svgBlip xmlns:asvg="http://schemas.microsoft.com/office/drawing/2016/SVG/main" r:embed="rId6"/>
+                </a:ext>
+              </a:extLst>
+            </a:blip>
+            <a:stretch>
+              <a:fillRect/>
+            </a:stretch>
+          </p:blipFill>
+          <p:spPr>
+            <a:xfrm>
+              <a:off x="4475551" y="1469422"/>
+              <a:ext cx="914400" cy="914400"/>
+            </a:xfrm>
+            <a:prstGeom prst="rect">
+              <a:avLst/>
+            </a:prstGeom>
+          </p:spPr>
+        </p:pic>
         <p:grpSp>
           <p:nvGrpSpPr>
-            <p:cNvPr id="13" name="Group 12">
+            <p:cNvPr id="20" name="Group 19">
               <a:extLst>
                 <a:ext uri="{FF2B5EF4-FFF2-40B4-BE49-F238E27FC236}">
-                  <a16:creationId xmlns:a16="http://schemas.microsoft.com/office/drawing/2014/main" id="{45FAE009-56C5-2441-B1F6-AE01774ADE99}"/>
+                  <a16:creationId xmlns:a16="http://schemas.microsoft.com/office/drawing/2014/main" id="{A1F5C3DE-7306-B643-9077-224A2515BF6C}"/>
                 </a:ext>
               </a:extLst>
             </p:cNvPr>
@@ -3583,18 +3583,129 @@
           </p:nvGrpSpPr>
           <p:grpSpPr>
             <a:xfrm>
-              <a:off x="4456386" y="1818290"/>
-              <a:ext cx="2169586" cy="1684528"/>
-              <a:chOff x="3661029" y="1187449"/>
-              <a:chExt cx="2964943" cy="2315369"/>
+              <a:off x="1505610" y="383509"/>
+              <a:ext cx="3633628" cy="2753826"/>
+              <a:chOff x="3816231" y="1563379"/>
+              <a:chExt cx="3633628" cy="2753826"/>
             </a:xfrm>
           </p:grpSpPr>
+          <p:grpSp>
+            <p:nvGrpSpPr>
+              <p:cNvPr id="13" name="Group 12">
+                <a:extLst>
+                  <a:ext uri="{FF2B5EF4-FFF2-40B4-BE49-F238E27FC236}">
+                    <a16:creationId xmlns:a16="http://schemas.microsoft.com/office/drawing/2014/main" id="{45FAE009-56C5-2441-B1F6-AE01774ADE99}"/>
+                  </a:ext>
+                </a:extLst>
+              </p:cNvPr>
+              <p:cNvGrpSpPr/>
+              <p:nvPr/>
+            </p:nvGrpSpPr>
+            <p:grpSpPr>
+              <a:xfrm>
+                <a:off x="4456386" y="1818290"/>
+                <a:ext cx="2169586" cy="1684528"/>
+                <a:chOff x="3661029" y="1187449"/>
+                <a:chExt cx="2964943" cy="2315369"/>
+              </a:xfrm>
+            </p:grpSpPr>
+            <p:pic>
+              <p:nvPicPr>
+                <p:cNvPr id="8" name="Picture 7" descr="A close up of a device&#10;&#10;Description automatically generated">
+                  <a:extLst>
+                    <a:ext uri="{FF2B5EF4-FFF2-40B4-BE49-F238E27FC236}">
+                      <a16:creationId xmlns:a16="http://schemas.microsoft.com/office/drawing/2014/main" id="{20C305A1-8511-5E4C-8583-DDA3898AC5EC}"/>
+                    </a:ext>
+                  </a:extLst>
+                </p:cNvPr>
+                <p:cNvPicPr>
+                  <a:picLocks noChangeAspect="1"/>
+                </p:cNvPicPr>
+                <p:nvPr/>
+              </p:nvPicPr>
+              <p:blipFill>
+                <a:blip r:embed="rId7"/>
+                <a:stretch>
+                  <a:fillRect/>
+                </a:stretch>
+              </p:blipFill>
+              <p:spPr>
+                <a:xfrm>
+                  <a:off x="3661029" y="3031331"/>
+                  <a:ext cx="678941" cy="471487"/>
+                </a:xfrm>
+                <a:prstGeom prst="rect">
+                  <a:avLst/>
+                </a:prstGeom>
+              </p:spPr>
+            </p:pic>
+            <p:pic>
+              <p:nvPicPr>
+                <p:cNvPr id="10" name="Picture 9" descr="A close up of a camera&#10;&#10;Description automatically generated">
+                  <a:extLst>
+                    <a:ext uri="{FF2B5EF4-FFF2-40B4-BE49-F238E27FC236}">
+                      <a16:creationId xmlns:a16="http://schemas.microsoft.com/office/drawing/2014/main" id="{FC849CC5-4536-6242-8D5F-DDE10CF2FC9B}"/>
+                    </a:ext>
+                  </a:extLst>
+                </p:cNvPr>
+                <p:cNvPicPr>
+                  <a:picLocks noChangeAspect="1"/>
+                </p:cNvPicPr>
+                <p:nvPr/>
+              </p:nvPicPr>
+              <p:blipFill>
+                <a:blip r:embed="rId8"/>
+                <a:stretch>
+                  <a:fillRect/>
+                </a:stretch>
+              </p:blipFill>
+              <p:spPr>
+                <a:xfrm>
+                  <a:off x="4257807" y="1187449"/>
+                  <a:ext cx="1647693" cy="2284412"/>
+                </a:xfrm>
+                <a:prstGeom prst="rect">
+                  <a:avLst/>
+                </a:prstGeom>
+              </p:spPr>
+            </p:pic>
+            <p:pic>
+              <p:nvPicPr>
+                <p:cNvPr id="11" name="Picture 10" descr="A close up of a device&#10;&#10;Description automatically generated">
+                  <a:extLst>
+                    <a:ext uri="{FF2B5EF4-FFF2-40B4-BE49-F238E27FC236}">
+                      <a16:creationId xmlns:a16="http://schemas.microsoft.com/office/drawing/2014/main" id="{329BC2DB-2A74-BB42-BA6D-EB5421F51F9B}"/>
+                    </a:ext>
+                  </a:extLst>
+                </p:cNvPr>
+                <p:cNvPicPr>
+                  <a:picLocks noChangeAspect="1"/>
+                </p:cNvPicPr>
+                <p:nvPr/>
+              </p:nvPicPr>
+              <p:blipFill>
+                <a:blip r:embed="rId7"/>
+                <a:stretch>
+                  <a:fillRect/>
+                </a:stretch>
+              </p:blipFill>
+              <p:spPr>
+                <a:xfrm>
+                  <a:off x="5947031" y="2093911"/>
+                  <a:ext cx="678941" cy="471487"/>
+                </a:xfrm>
+                <a:prstGeom prst="rect">
+                  <a:avLst/>
+                </a:prstGeom>
+              </p:spPr>
+            </p:pic>
+          </p:grpSp>
           <p:pic>
             <p:nvPicPr>
-              <p:cNvPr id="8" name="Picture 7" descr="A close up of a device&#10;&#10;Description automatically generated">
+              <p:cNvPr id="17" name="Graphic 16" descr="Shower">
                 <a:extLst>
                   <a:ext uri="{FF2B5EF4-FFF2-40B4-BE49-F238E27FC236}">
-                    <a16:creationId xmlns:a16="http://schemas.microsoft.com/office/drawing/2014/main" id="{20C305A1-8511-5E4C-8583-DDA3898AC5EC}"/>
+                    <a16:creationId xmlns:a16="http://schemas.microsoft.com/office/drawing/2014/main" id="{B1460B46-5EE5-F748-8A85-51115D597B7B}"/>
                   </a:ext>
                 </a:extLst>
               </p:cNvPr>
@@ -3604,15 +3715,21 @@
               <p:nvPr/>
             </p:nvPicPr>
             <p:blipFill>
-              <a:blip r:embed="rId7"/>
+              <a:blip r:embed="rId9">
+                <a:extLst>
+                  <a:ext uri="{96DAC541-7B7A-43D3-8B79-37D633B846F1}">
+                    <asvg:svgBlip xmlns:asvg="http://schemas.microsoft.com/office/drawing/2016/SVG/main" r:embed="rId10"/>
+                  </a:ext>
+                </a:extLst>
+              </a:blip>
               <a:stretch>
                 <a:fillRect/>
               </a:stretch>
             </p:blipFill>
             <p:spPr>
               <a:xfrm>
-                <a:off x="3661029" y="3031331"/>
-                <a:ext cx="678941" cy="471487"/>
+                <a:off x="6535459" y="1563379"/>
+                <a:ext cx="914400" cy="914400"/>
               </a:xfrm>
               <a:prstGeom prst="rect">
                 <a:avLst/>
@@ -3621,10 +3738,10 @@
           </p:pic>
           <p:pic>
             <p:nvPicPr>
-              <p:cNvPr id="10" name="Picture 9" descr="A close up of a camera&#10;&#10;Description automatically generated">
+              <p:cNvPr id="19" name="Graphic 18" descr="Beaker">
                 <a:extLst>
                   <a:ext uri="{FF2B5EF4-FFF2-40B4-BE49-F238E27FC236}">
-                    <a16:creationId xmlns:a16="http://schemas.microsoft.com/office/drawing/2014/main" id="{FC849CC5-4536-6242-8D5F-DDE10CF2FC9B}"/>
+                    <a16:creationId xmlns:a16="http://schemas.microsoft.com/office/drawing/2014/main" id="{67273AEB-C926-3543-BFC2-EA076EBA142F}"/>
                   </a:ext>
                 </a:extLst>
               </p:cNvPr>
@@ -3634,45 +3751,21 @@
               <p:nvPr/>
             </p:nvPicPr>
             <p:blipFill>
-              <a:blip r:embed="rId8"/>
+              <a:blip r:embed="rId11">
+                <a:extLst>
+                  <a:ext uri="{96DAC541-7B7A-43D3-8B79-37D633B846F1}">
+                    <asvg:svgBlip xmlns:asvg="http://schemas.microsoft.com/office/drawing/2016/SVG/main" r:embed="rId12"/>
+                  </a:ext>
+                </a:extLst>
+              </a:blip>
               <a:stretch>
                 <a:fillRect/>
               </a:stretch>
             </p:blipFill>
             <p:spPr>
               <a:xfrm>
-                <a:off x="4257807" y="1187449"/>
-                <a:ext cx="1647693" cy="2284412"/>
-              </a:xfrm>
-              <a:prstGeom prst="rect">
-                <a:avLst/>
-              </a:prstGeom>
-            </p:spPr>
-          </p:pic>
-          <p:pic>
-            <p:nvPicPr>
-              <p:cNvPr id="11" name="Picture 10" descr="A close up of a device&#10;&#10;Description automatically generated">
-                <a:extLst>
-                  <a:ext uri="{FF2B5EF4-FFF2-40B4-BE49-F238E27FC236}">
-                    <a16:creationId xmlns:a16="http://schemas.microsoft.com/office/drawing/2014/main" id="{329BC2DB-2A74-BB42-BA6D-EB5421F51F9B}"/>
-                  </a:ext>
-                </a:extLst>
-              </p:cNvPr>
-              <p:cNvPicPr>
-                <a:picLocks noChangeAspect="1"/>
-              </p:cNvPicPr>
-              <p:nvPr/>
-            </p:nvPicPr>
-            <p:blipFill>
-              <a:blip r:embed="rId7"/>
-              <a:stretch>
-                <a:fillRect/>
-              </a:stretch>
-            </p:blipFill>
-            <p:spPr>
-              <a:xfrm>
-                <a:off x="5947031" y="2093911"/>
-                <a:ext cx="678941" cy="471487"/>
+                <a:off x="3816231" y="3402805"/>
+                <a:ext cx="914400" cy="914400"/>
               </a:xfrm>
               <a:prstGeom prst="rect">
                 <a:avLst/>
@@ -3680,12 +3773,222 @@
             </p:spPr>
           </p:pic>
         </p:grpSp>
+        <p:sp>
+          <p:nvSpPr>
+            <p:cNvPr id="22" name="TextBox 21">
+              <a:extLst>
+                <a:ext uri="{FF2B5EF4-FFF2-40B4-BE49-F238E27FC236}">
+                  <a16:creationId xmlns:a16="http://schemas.microsoft.com/office/drawing/2014/main" id="{5F0C8505-30EF-554C-958D-BD97A62BE062}"/>
+                </a:ext>
+              </a:extLst>
+            </p:cNvPr>
+            <p:cNvSpPr txBox="1"/>
+            <p:nvPr/>
+          </p:nvSpPr>
+          <p:spPr>
+            <a:xfrm>
+              <a:off x="8743946" y="4559906"/>
+              <a:ext cx="1334789" cy="369332"/>
+            </a:xfrm>
+            <a:prstGeom prst="rect">
+              <a:avLst/>
+            </a:prstGeom>
+            <a:noFill/>
+          </p:spPr>
+          <p:txBody>
+            <a:bodyPr wrap="none" rtlCol="0">
+              <a:spAutoFit/>
+            </a:bodyPr>
+            <a:lstStyle/>
+            <a:p>
+              <a:r>
+                <a:rPr lang="en-DE" dirty="0">
+                  <a:solidFill>
+                    <a:srgbClr val="0070C0"/>
+                  </a:solidFill>
+                </a:rPr>
+                <a:t>Relais shield</a:t>
+              </a:r>
+            </a:p>
+          </p:txBody>
+        </p:sp>
+        <p:sp>
+          <p:nvSpPr>
+            <p:cNvPr id="23" name="TextBox 22">
+              <a:extLst>
+                <a:ext uri="{FF2B5EF4-FFF2-40B4-BE49-F238E27FC236}">
+                  <a16:creationId xmlns:a16="http://schemas.microsoft.com/office/drawing/2014/main" id="{0368F3EC-653B-DA4A-A6A8-1AA6B7F83BBE}"/>
+                </a:ext>
+              </a:extLst>
+            </p:cNvPr>
+            <p:cNvSpPr txBox="1"/>
+            <p:nvPr/>
+          </p:nvSpPr>
+          <p:spPr>
+            <a:xfrm>
+              <a:off x="9021191" y="2825106"/>
+              <a:ext cx="934936" cy="369332"/>
+            </a:xfrm>
+            <a:prstGeom prst="rect">
+              <a:avLst/>
+            </a:prstGeom>
+            <a:noFill/>
+          </p:spPr>
+          <p:txBody>
+            <a:bodyPr wrap="none" rtlCol="0">
+              <a:spAutoFit/>
+            </a:bodyPr>
+            <a:lstStyle/>
+            <a:p>
+              <a:r>
+                <a:rPr lang="en-DE" dirty="0">
+                  <a:solidFill>
+                    <a:srgbClr val="0070C0"/>
+                  </a:solidFill>
+                </a:rPr>
+                <a:t>Arduino</a:t>
+              </a:r>
+            </a:p>
+          </p:txBody>
+        </p:sp>
+        <p:sp>
+          <p:nvSpPr>
+            <p:cNvPr id="24" name="TextBox 23">
+              <a:extLst>
+                <a:ext uri="{FF2B5EF4-FFF2-40B4-BE49-F238E27FC236}">
+                  <a16:creationId xmlns:a16="http://schemas.microsoft.com/office/drawing/2014/main" id="{2C97BD5C-59B6-784B-8CEB-3880E216454B}"/>
+                </a:ext>
+              </a:extLst>
+            </p:cNvPr>
+            <p:cNvSpPr txBox="1"/>
+            <p:nvPr/>
+          </p:nvSpPr>
+          <p:spPr>
+            <a:xfrm>
+              <a:off x="7292980" y="1410456"/>
+              <a:ext cx="1881477" cy="369332"/>
+            </a:xfrm>
+            <a:prstGeom prst="rect">
+              <a:avLst/>
+            </a:prstGeom>
+            <a:noFill/>
+          </p:spPr>
+          <p:txBody>
+            <a:bodyPr wrap="none" rtlCol="0">
+              <a:spAutoFit/>
+            </a:bodyPr>
+            <a:lstStyle>
+              <a:defPPr>
+                <a:defRPr lang="en-DE"/>
+              </a:defPPr>
+              <a:lvl1pPr>
+                <a:defRPr>
+                  <a:solidFill>
+                    <a:srgbClr val="0070C0"/>
+                  </a:solidFill>
+                </a:defRPr>
+              </a:lvl1pPr>
+            </a:lstStyle>
+            <a:p>
+              <a:r>
+                <a:rPr lang="en-DE" dirty="0"/>
+                <a:t>Supersonic sensor</a:t>
+              </a:r>
+            </a:p>
+          </p:txBody>
+        </p:sp>
+        <p:cxnSp>
+          <p:nvCxnSpPr>
+            <p:cNvPr id="29" name="Curved Connector 28">
+              <a:extLst>
+                <a:ext uri="{FF2B5EF4-FFF2-40B4-BE49-F238E27FC236}">
+                  <a16:creationId xmlns:a16="http://schemas.microsoft.com/office/drawing/2014/main" id="{EB23204F-3CDF-CD4A-A991-1257DDA002BA}"/>
+                </a:ext>
+              </a:extLst>
+            </p:cNvPr>
+            <p:cNvCxnSpPr>
+              <a:cxnSpLocks/>
+            </p:cNvCxnSpPr>
+            <p:nvPr/>
+          </p:nvCxnSpPr>
+          <p:spPr>
+            <a:xfrm>
+              <a:off x="2957885" y="1146934"/>
+              <a:ext cx="3880812" cy="3782304"/>
+            </a:xfrm>
+            <a:prstGeom prst="curvedConnector3">
+              <a:avLst>
+                <a:gd name="adj1" fmla="val 6985"/>
+              </a:avLst>
+            </a:prstGeom>
+            <a:ln w="41275">
+              <a:tailEnd type="triangle"/>
+            </a:ln>
+          </p:spPr>
+          <p:style>
+            <a:lnRef idx="1">
+              <a:schemeClr val="accent1"/>
+            </a:lnRef>
+            <a:fillRef idx="0">
+              <a:schemeClr val="accent1"/>
+            </a:fillRef>
+            <a:effectRef idx="0">
+              <a:schemeClr val="accent1"/>
+            </a:effectRef>
+            <a:fontRef idx="minor">
+              <a:schemeClr val="tx1"/>
+            </a:fontRef>
+          </p:style>
+        </p:cxnSp>
+        <p:cxnSp>
+          <p:nvCxnSpPr>
+            <p:cNvPr id="32" name="Curved Connector 31">
+              <a:extLst>
+                <a:ext uri="{FF2B5EF4-FFF2-40B4-BE49-F238E27FC236}">
+                  <a16:creationId xmlns:a16="http://schemas.microsoft.com/office/drawing/2014/main" id="{60372F24-ADB4-5140-8A01-67552332BD5C}"/>
+                </a:ext>
+              </a:extLst>
+            </p:cNvPr>
+            <p:cNvCxnSpPr>
+              <a:cxnSpLocks/>
+            </p:cNvCxnSpPr>
+            <p:nvPr/>
+          </p:nvCxnSpPr>
+          <p:spPr>
+            <a:xfrm rot="10800000">
+              <a:off x="2642581" y="1042460"/>
+              <a:ext cx="4196117" cy="4018638"/>
+            </a:xfrm>
+            <a:prstGeom prst="curvedConnector3">
+              <a:avLst>
+                <a:gd name="adj1" fmla="val 93583"/>
+              </a:avLst>
+            </a:prstGeom>
+            <a:ln w="41275">
+              <a:tailEnd type="triangle"/>
+            </a:ln>
+          </p:spPr>
+          <p:style>
+            <a:lnRef idx="1">
+              <a:schemeClr val="accent1"/>
+            </a:lnRef>
+            <a:fillRef idx="0">
+              <a:schemeClr val="accent1"/>
+            </a:fillRef>
+            <a:effectRef idx="0">
+              <a:schemeClr val="accent1"/>
+            </a:effectRef>
+            <a:fontRef idx="minor">
+              <a:schemeClr val="tx1"/>
+            </a:fontRef>
+          </p:style>
+        </p:cxnSp>
         <p:pic>
           <p:nvPicPr>
-            <p:cNvPr id="17" name="Graphic 16" descr="Shower">
+            <p:cNvPr id="51" name="Graphic 50" descr="Voice">
               <a:extLst>
                 <a:ext uri="{FF2B5EF4-FFF2-40B4-BE49-F238E27FC236}">
-                  <a16:creationId xmlns:a16="http://schemas.microsoft.com/office/drawing/2014/main" id="{B1460B46-5EE5-F748-8A85-51115D597B7B}"/>
+                  <a16:creationId xmlns:a16="http://schemas.microsoft.com/office/drawing/2014/main" id="{274CD0C0-9BD3-ED4C-A901-D4BCC1BAC085}"/>
                 </a:ext>
               </a:extLst>
             </p:cNvPr>
@@ -3695,10 +3998,10 @@
             <p:nvPr/>
           </p:nvPicPr>
           <p:blipFill>
-            <a:blip r:embed="rId9">
+            <a:blip r:embed="rId13">
               <a:extLst>
                 <a:ext uri="{96DAC541-7B7A-43D3-8B79-37D633B846F1}">
-                  <asvg:svgBlip xmlns:asvg="http://schemas.microsoft.com/office/drawing/2016/SVG/main" r:embed="rId10"/>
+                  <asvg:svgBlip xmlns:asvg="http://schemas.microsoft.com/office/drawing/2016/SVG/main" r:embed="rId14"/>
                 </a:ext>
               </a:extLst>
             </a:blip>
@@ -3708,7 +4011,7 @@
           </p:blipFill>
           <p:spPr>
             <a:xfrm>
-              <a:off x="6535459" y="1563379"/>
+              <a:off x="5507867" y="1469422"/>
               <a:ext cx="914400" cy="914400"/>
             </a:xfrm>
             <a:prstGeom prst="rect">
@@ -3716,338 +4019,79 @@
             </a:prstGeom>
           </p:spPr>
         </p:pic>
-        <p:pic>
-          <p:nvPicPr>
-            <p:cNvPr id="19" name="Graphic 18" descr="Beaker">
+        <p:sp>
+          <p:nvSpPr>
+            <p:cNvPr id="57" name="Rounded Rectangle 56">
               <a:extLst>
                 <a:ext uri="{FF2B5EF4-FFF2-40B4-BE49-F238E27FC236}">
-                  <a16:creationId xmlns:a16="http://schemas.microsoft.com/office/drawing/2014/main" id="{67273AEB-C926-3543-BFC2-EA076EBA142F}"/>
+                  <a16:creationId xmlns:a16="http://schemas.microsoft.com/office/drawing/2014/main" id="{29AE3F6E-BF7C-FB43-8A36-BBF2EA424586}"/>
                 </a:ext>
               </a:extLst>
             </p:cNvPr>
-            <p:cNvPicPr>
-              <a:picLocks noChangeAspect="1"/>
-            </p:cNvPicPr>
+            <p:cNvSpPr/>
             <p:nvPr/>
-          </p:nvPicPr>
-          <p:blipFill>
-            <a:blip r:embed="rId11">
-              <a:extLst>
-                <a:ext uri="{96DAC541-7B7A-43D3-8B79-37D633B846F1}">
-                  <asvg:svgBlip xmlns:asvg="http://schemas.microsoft.com/office/drawing/2016/SVG/main" r:embed="rId12"/>
-                </a:ext>
-              </a:extLst>
-            </a:blip>
-            <a:stretch>
-              <a:fillRect/>
-            </a:stretch>
-          </p:blipFill>
+          </p:nvSpPr>
           <p:spPr>
             <a:xfrm>
-              <a:off x="3816231" y="3402805"/>
-              <a:ext cx="914400" cy="914400"/>
+              <a:off x="6422267" y="383509"/>
+              <a:ext cx="4146194" cy="5613254"/>
             </a:xfrm>
-            <a:prstGeom prst="rect">
+            <a:prstGeom prst="roundRect">
               <a:avLst/>
             </a:prstGeom>
+            <a:solidFill>
+              <a:schemeClr val="accent1">
+                <a:alpha val="14000"/>
+              </a:schemeClr>
+            </a:solidFill>
           </p:spPr>
-        </p:pic>
-      </p:grpSp>
-      <p:sp>
-        <p:nvSpPr>
-          <p:cNvPr id="22" name="TextBox 21">
-            <a:extLst>
-              <a:ext uri="{FF2B5EF4-FFF2-40B4-BE49-F238E27FC236}">
-                <a16:creationId xmlns:a16="http://schemas.microsoft.com/office/drawing/2014/main" id="{5F0C8505-30EF-554C-958D-BD97A62BE062}"/>
-              </a:ext>
-            </a:extLst>
-          </p:cNvPr>
-          <p:cNvSpPr txBox="1"/>
-          <p:nvPr/>
-        </p:nvSpPr>
-        <p:spPr>
-          <a:xfrm>
-            <a:off x="8743946" y="4559906"/>
-            <a:ext cx="1334789" cy="369332"/>
-          </a:xfrm>
-          <a:prstGeom prst="rect">
-            <a:avLst/>
-          </a:prstGeom>
-          <a:noFill/>
-        </p:spPr>
-        <p:txBody>
-          <a:bodyPr wrap="none" rtlCol="0">
-            <a:spAutoFit/>
-          </a:bodyPr>
-          <a:lstStyle/>
-          <a:p>
-            <a:r>
-              <a:rPr lang="en-DE" dirty="0">
-                <a:solidFill>
-                  <a:srgbClr val="0070C0"/>
-                </a:solidFill>
-              </a:rPr>
-              <a:t>Relais shield</a:t>
-            </a:r>
-          </a:p>
-        </p:txBody>
-      </p:sp>
-      <p:sp>
-        <p:nvSpPr>
-          <p:cNvPr id="23" name="TextBox 22">
-            <a:extLst>
-              <a:ext uri="{FF2B5EF4-FFF2-40B4-BE49-F238E27FC236}">
-                <a16:creationId xmlns:a16="http://schemas.microsoft.com/office/drawing/2014/main" id="{0368F3EC-653B-DA4A-A6A8-1AA6B7F83BBE}"/>
-              </a:ext>
-            </a:extLst>
-          </p:cNvPr>
-          <p:cNvSpPr txBox="1"/>
-          <p:nvPr/>
-        </p:nvSpPr>
-        <p:spPr>
-          <a:xfrm>
-            <a:off x="9021191" y="2825106"/>
-            <a:ext cx="934936" cy="369332"/>
-          </a:xfrm>
-          <a:prstGeom prst="rect">
-            <a:avLst/>
-          </a:prstGeom>
-          <a:noFill/>
-        </p:spPr>
-        <p:txBody>
-          <a:bodyPr wrap="none" rtlCol="0">
-            <a:spAutoFit/>
-          </a:bodyPr>
-          <a:lstStyle/>
-          <a:p>
-            <a:r>
-              <a:rPr lang="en-DE" dirty="0">
-                <a:solidFill>
-                  <a:srgbClr val="0070C0"/>
-                </a:solidFill>
-              </a:rPr>
-              <a:t>Arduino</a:t>
-            </a:r>
-          </a:p>
-        </p:txBody>
-      </p:sp>
-      <p:sp>
-        <p:nvSpPr>
-          <p:cNvPr id="24" name="TextBox 23">
-            <a:extLst>
-              <a:ext uri="{FF2B5EF4-FFF2-40B4-BE49-F238E27FC236}">
-                <a16:creationId xmlns:a16="http://schemas.microsoft.com/office/drawing/2014/main" id="{2C97BD5C-59B6-784B-8CEB-3880E216454B}"/>
-              </a:ext>
-            </a:extLst>
-          </p:cNvPr>
-          <p:cNvSpPr txBox="1"/>
-          <p:nvPr/>
-        </p:nvSpPr>
-        <p:spPr>
-          <a:xfrm>
-            <a:off x="7292980" y="1410456"/>
-            <a:ext cx="1881477" cy="369332"/>
-          </a:xfrm>
-          <a:prstGeom prst="rect">
-            <a:avLst/>
-          </a:prstGeom>
-          <a:noFill/>
-        </p:spPr>
-        <p:txBody>
-          <a:bodyPr wrap="none" rtlCol="0">
-            <a:spAutoFit/>
-          </a:bodyPr>
-          <a:lstStyle>
-            <a:defPPr>
-              <a:defRPr lang="en-DE"/>
-            </a:defPPr>
-            <a:lvl1pPr>
-              <a:defRPr>
-                <a:solidFill>
-                  <a:srgbClr val="0070C0"/>
-                </a:solidFill>
-              </a:defRPr>
-            </a:lvl1pPr>
-          </a:lstStyle>
-          <a:p>
-            <a:r>
-              <a:rPr lang="en-DE" dirty="0"/>
-              <a:t>Supersonic sensor</a:t>
-            </a:r>
-          </a:p>
-        </p:txBody>
-      </p:sp>
-      <p:cxnSp>
-        <p:nvCxnSpPr>
-          <p:cNvPr id="29" name="Curved Connector 28">
-            <a:extLst>
-              <a:ext uri="{FF2B5EF4-FFF2-40B4-BE49-F238E27FC236}">
-                <a16:creationId xmlns:a16="http://schemas.microsoft.com/office/drawing/2014/main" id="{EB23204F-3CDF-CD4A-A991-1257DDA002BA}"/>
-              </a:ext>
-            </a:extLst>
-          </p:cNvPr>
-          <p:cNvCxnSpPr>
-            <a:cxnSpLocks/>
-          </p:cNvCxnSpPr>
-          <p:nvPr/>
-        </p:nvCxnSpPr>
-        <p:spPr>
-          <a:xfrm>
-            <a:off x="2957885" y="1146934"/>
-            <a:ext cx="3880812" cy="3782304"/>
-          </a:xfrm>
-          <a:prstGeom prst="curvedConnector3">
-            <a:avLst>
-              <a:gd name="adj1" fmla="val 6985"/>
-            </a:avLst>
-          </a:prstGeom>
-          <a:ln w="41275">
-            <a:tailEnd type="triangle"/>
-          </a:ln>
-        </p:spPr>
-        <p:style>
-          <a:lnRef idx="1">
-            <a:schemeClr val="accent1"/>
-          </a:lnRef>
-          <a:fillRef idx="0">
-            <a:schemeClr val="accent1"/>
-          </a:fillRef>
-          <a:effectRef idx="0">
-            <a:schemeClr val="accent1"/>
-          </a:effectRef>
-          <a:fontRef idx="minor">
-            <a:schemeClr val="tx1"/>
-          </a:fontRef>
-        </p:style>
-      </p:cxnSp>
-      <p:cxnSp>
-        <p:nvCxnSpPr>
-          <p:cNvPr id="32" name="Curved Connector 31">
-            <a:extLst>
-              <a:ext uri="{FF2B5EF4-FFF2-40B4-BE49-F238E27FC236}">
-                <a16:creationId xmlns:a16="http://schemas.microsoft.com/office/drawing/2014/main" id="{60372F24-ADB4-5140-8A01-67552332BD5C}"/>
-              </a:ext>
-            </a:extLst>
-          </p:cNvPr>
-          <p:cNvCxnSpPr>
-            <a:cxnSpLocks/>
-          </p:cNvCxnSpPr>
-          <p:nvPr/>
-        </p:nvCxnSpPr>
-        <p:spPr>
-          <a:xfrm rot="10800000">
-            <a:off x="2642581" y="1042460"/>
-            <a:ext cx="4196117" cy="4018638"/>
-          </a:xfrm>
-          <a:prstGeom prst="curvedConnector3">
-            <a:avLst>
-              <a:gd name="adj1" fmla="val 93583"/>
-            </a:avLst>
-          </a:prstGeom>
-          <a:ln w="41275">
-            <a:tailEnd type="triangle"/>
-          </a:ln>
-        </p:spPr>
-        <p:style>
-          <a:lnRef idx="1">
-            <a:schemeClr val="accent1"/>
-          </a:lnRef>
-          <a:fillRef idx="0">
-            <a:schemeClr val="accent1"/>
-          </a:fillRef>
-          <a:effectRef idx="0">
-            <a:schemeClr val="accent1"/>
-          </a:effectRef>
-          <a:fontRef idx="minor">
-            <a:schemeClr val="tx1"/>
-          </a:fontRef>
-        </p:style>
-      </p:cxnSp>
-      <p:pic>
-        <p:nvPicPr>
-          <p:cNvPr id="51" name="Graphic 50" descr="Voice">
-            <a:extLst>
-              <a:ext uri="{FF2B5EF4-FFF2-40B4-BE49-F238E27FC236}">
-                <a16:creationId xmlns:a16="http://schemas.microsoft.com/office/drawing/2014/main" id="{274CD0C0-9BD3-ED4C-A901-D4BCC1BAC085}"/>
-              </a:ext>
-            </a:extLst>
-          </p:cNvPr>
-          <p:cNvPicPr>
-            <a:picLocks noChangeAspect="1"/>
-          </p:cNvPicPr>
-          <p:nvPr/>
-        </p:nvPicPr>
-        <p:blipFill>
-          <a:blip r:embed="rId13">
-            <a:extLst>
-              <a:ext uri="{96DAC541-7B7A-43D3-8B79-37D633B846F1}">
-                <asvg:svgBlip xmlns:asvg="http://schemas.microsoft.com/office/drawing/2016/SVG/main" r:embed="rId14"/>
-              </a:ext>
-            </a:extLst>
-          </a:blip>
-          <a:stretch>
-            <a:fillRect/>
-          </a:stretch>
-        </p:blipFill>
-        <p:spPr>
-          <a:xfrm>
-            <a:off x="5507867" y="1469422"/>
-            <a:ext cx="914400" cy="914400"/>
-          </a:xfrm>
-          <a:prstGeom prst="rect">
-            <a:avLst/>
-          </a:prstGeom>
-        </p:spPr>
-      </p:pic>
-      <p:sp>
-        <p:nvSpPr>
-          <p:cNvPr id="57" name="Rounded Rectangle 56">
-            <a:extLst>
-              <a:ext uri="{FF2B5EF4-FFF2-40B4-BE49-F238E27FC236}">
-                <a16:creationId xmlns:a16="http://schemas.microsoft.com/office/drawing/2014/main" id="{29AE3F6E-BF7C-FB43-8A36-BBF2EA424586}"/>
-              </a:ext>
-            </a:extLst>
-          </p:cNvPr>
-          <p:cNvSpPr/>
-          <p:nvPr/>
-        </p:nvSpPr>
-        <p:spPr>
-          <a:xfrm>
-            <a:off x="6383854" y="383509"/>
-            <a:ext cx="4184607" cy="5613254"/>
-          </a:xfrm>
-          <a:prstGeom prst="roundRect">
-            <a:avLst/>
-          </a:prstGeom>
-          <a:solidFill>
-            <a:schemeClr val="accent1">
-              <a:alpha val="14000"/>
-            </a:schemeClr>
-          </a:solidFill>
-        </p:spPr>
-        <p:style>
-          <a:lnRef idx="2">
-            <a:schemeClr val="accent1">
-              <a:shade val="50000"/>
-            </a:schemeClr>
-          </a:lnRef>
-          <a:fillRef idx="1">
-            <a:schemeClr val="accent1"/>
-          </a:fillRef>
-          <a:effectRef idx="0">
-            <a:schemeClr val="accent1"/>
-          </a:effectRef>
-          <a:fontRef idx="minor">
-            <a:schemeClr val="lt1"/>
-          </a:fontRef>
-        </p:style>
-        <p:txBody>
-          <a:bodyPr rtlCol="0" anchor="ctr"/>
-          <a:lstStyle/>
-          <a:p>
-            <a:pPr algn="ctr"/>
-            <a:r>
-              <a:rPr lang="en-DE" sz="4000" b="1" dirty="0">
+          <p:style>
+            <a:lnRef idx="2">
+              <a:schemeClr val="accent1">
+                <a:shade val="50000"/>
+              </a:schemeClr>
+            </a:lnRef>
+            <a:fillRef idx="1">
+              <a:schemeClr val="accent1"/>
+            </a:fillRef>
+            <a:effectRef idx="0">
+              <a:schemeClr val="accent1"/>
+            </a:effectRef>
+            <a:fontRef idx="minor">
+              <a:schemeClr val="lt1"/>
+            </a:fontRef>
+          </p:style>
+          <p:txBody>
+            <a:bodyPr rtlCol="0" anchor="ctr"/>
+            <a:lstStyle/>
+            <a:p>
+              <a:pPr algn="ctr"/>
+              <a:r>
+                <a:rPr lang="en-DE" sz="4000" b="1" dirty="0">
+                  <a:ln w="9525">
+                    <a:solidFill>
+                      <a:schemeClr val="bg1"/>
+                    </a:solidFill>
+                    <a:prstDash val="solid"/>
+                  </a:ln>
+                  <a:solidFill>
+                    <a:schemeClr val="accent5"/>
+                  </a:solidFill>
+                  <a:effectLst>
+                    <a:outerShdw blurRad="12700" dist="38100" dir="2700000" algn="tl" rotWithShape="0">
+                      <a:schemeClr val="accent5">
+                        <a:lumMod val="60000"/>
+                        <a:lumOff val="40000"/>
+                      </a:schemeClr>
+                    </a:outerShdw>
+                  </a:effectLst>
+                </a:rPr>
+                <a:t>Electronic part</a:t>
+              </a:r>
+            </a:p>
+            <a:p>
+              <a:pPr algn="ctr"/>
+              <a:endParaRPr lang="en-DE" sz="4000" b="1" dirty="0">
                 <a:ln w="9525">
                   <a:solidFill>
                     <a:schemeClr val="bg1"/>
@@ -4065,391 +4109,212 @@
                     </a:schemeClr>
                   </a:outerShdw>
                 </a:effectLst>
-              </a:rPr>
-              <a:t>Electronic part</a:t>
-            </a:r>
-          </a:p>
-          <a:p>
-            <a:pPr algn="ctr"/>
-            <a:endParaRPr lang="en-DE" sz="4000" b="1" dirty="0">
-              <a:ln w="9525">
-                <a:solidFill>
-                  <a:schemeClr val="bg1"/>
-                </a:solidFill>
-                <a:prstDash val="solid"/>
-              </a:ln>
-              <a:solidFill>
-                <a:schemeClr val="accent5"/>
-              </a:solidFill>
-              <a:effectLst>
-                <a:outerShdw blurRad="12700" dist="38100" dir="2700000" algn="tl" rotWithShape="0">
-                  <a:schemeClr val="accent5">
-                    <a:lumMod val="60000"/>
-                    <a:lumOff val="40000"/>
-                  </a:schemeClr>
-                </a:outerShdw>
-              </a:effectLst>
-            </a:endParaRPr>
-          </a:p>
-          <a:p>
-            <a:pPr algn="ctr"/>
-            <a:endParaRPr lang="en-DE" dirty="0"/>
-          </a:p>
-          <a:p>
-            <a:pPr algn="ctr"/>
-            <a:endParaRPr lang="en-DE" dirty="0"/>
-          </a:p>
-          <a:p>
-            <a:pPr algn="ctr"/>
-            <a:endParaRPr lang="en-DE" dirty="0"/>
-          </a:p>
-          <a:p>
-            <a:pPr algn="ctr"/>
-            <a:endParaRPr lang="en-DE" dirty="0"/>
-          </a:p>
-          <a:p>
-            <a:pPr algn="ctr"/>
-            <a:endParaRPr lang="en-DE" dirty="0"/>
-          </a:p>
-          <a:p>
-            <a:pPr algn="ctr"/>
-            <a:endParaRPr lang="en-DE" dirty="0"/>
-          </a:p>
-          <a:p>
-            <a:pPr algn="ctr"/>
-            <a:endParaRPr lang="en-DE" dirty="0"/>
-          </a:p>
-          <a:p>
-            <a:pPr algn="ctr"/>
-            <a:endParaRPr lang="en-DE" dirty="0"/>
-          </a:p>
-          <a:p>
-            <a:pPr algn="ctr"/>
-            <a:endParaRPr lang="en-DE" dirty="0"/>
-          </a:p>
-          <a:p>
-            <a:pPr algn="ctr"/>
-            <a:endParaRPr lang="en-DE" dirty="0"/>
-          </a:p>
-          <a:p>
-            <a:pPr algn="ctr"/>
-            <a:endParaRPr lang="en-DE" dirty="0"/>
-          </a:p>
-          <a:p>
-            <a:pPr algn="ctr"/>
-            <a:endParaRPr lang="en-DE" dirty="0"/>
-          </a:p>
-          <a:p>
-            <a:pPr algn="ctr"/>
-            <a:endParaRPr lang="en-DE" dirty="0"/>
-          </a:p>
-          <a:p>
-            <a:pPr algn="ctr"/>
-            <a:endParaRPr lang="en-DE" dirty="0"/>
-          </a:p>
-          <a:p>
-            <a:pPr algn="ctr"/>
-            <a:endParaRPr lang="en-DE" dirty="0"/>
-          </a:p>
-        </p:txBody>
-      </p:sp>
-      <p:sp>
-        <p:nvSpPr>
-          <p:cNvPr id="58" name="Up-down Arrow 57">
-            <a:extLst>
-              <a:ext uri="{FF2B5EF4-FFF2-40B4-BE49-F238E27FC236}">
-                <a16:creationId xmlns:a16="http://schemas.microsoft.com/office/drawing/2014/main" id="{2923C852-8521-2842-8141-8500CE259C96}"/>
-              </a:ext>
-            </a:extLst>
-          </p:cNvPr>
-          <p:cNvSpPr/>
-          <p:nvPr/>
-        </p:nvSpPr>
-        <p:spPr>
-          <a:xfrm>
-            <a:off x="8099673" y="3524475"/>
-            <a:ext cx="268089" cy="808074"/>
-          </a:xfrm>
-          <a:prstGeom prst="upDownArrow">
-            <a:avLst/>
-          </a:prstGeom>
-        </p:spPr>
-        <p:style>
-          <a:lnRef idx="2">
-            <a:schemeClr val="accent1">
-              <a:shade val="50000"/>
-            </a:schemeClr>
-          </a:lnRef>
-          <a:fillRef idx="1">
-            <a:schemeClr val="accent1"/>
-          </a:fillRef>
-          <a:effectRef idx="0">
-            <a:schemeClr val="accent1"/>
-          </a:effectRef>
-          <a:fontRef idx="minor">
-            <a:schemeClr val="lt1"/>
-          </a:fontRef>
-        </p:style>
-        <p:txBody>
-          <a:bodyPr rtlCol="0" anchor="ctr"/>
-          <a:lstStyle/>
-          <a:p>
-            <a:pPr algn="ctr"/>
-            <a:endParaRPr lang="en-DE"/>
-          </a:p>
-        </p:txBody>
-      </p:sp>
-      <p:sp>
-        <p:nvSpPr>
-          <p:cNvPr id="59" name="Left-up Arrow 58">
-            <a:extLst>
-              <a:ext uri="{FF2B5EF4-FFF2-40B4-BE49-F238E27FC236}">
-                <a16:creationId xmlns:a16="http://schemas.microsoft.com/office/drawing/2014/main" id="{1DC68DBD-25A4-4F47-8F4A-294CC7480355}"/>
-              </a:ext>
-            </a:extLst>
-          </p:cNvPr>
-          <p:cNvSpPr/>
-          <p:nvPr/>
-        </p:nvSpPr>
-        <p:spPr>
-          <a:xfrm flipV="1">
-            <a:off x="7406217" y="1768199"/>
-            <a:ext cx="502006" cy="787467"/>
-          </a:xfrm>
-          <a:prstGeom prst="leftUpArrow">
-            <a:avLst/>
-          </a:prstGeom>
-        </p:spPr>
-        <p:style>
-          <a:lnRef idx="2">
-            <a:schemeClr val="accent1">
-              <a:shade val="50000"/>
-            </a:schemeClr>
-          </a:lnRef>
-          <a:fillRef idx="1">
-            <a:schemeClr val="accent1"/>
-          </a:fillRef>
-          <a:effectRef idx="0">
-            <a:schemeClr val="accent1"/>
-          </a:effectRef>
-          <a:fontRef idx="minor">
-            <a:schemeClr val="lt1"/>
-          </a:fontRef>
-        </p:style>
-        <p:txBody>
-          <a:bodyPr rtlCol="0" anchor="ctr"/>
-          <a:lstStyle/>
-          <a:p>
-            <a:pPr algn="ctr"/>
-            <a:endParaRPr lang="en-DE"/>
-          </a:p>
-        </p:txBody>
-      </p:sp>
-      <p:sp>
-        <p:nvSpPr>
-          <p:cNvPr id="60" name="Rounded Rectangle 59">
-            <a:extLst>
-              <a:ext uri="{FF2B5EF4-FFF2-40B4-BE49-F238E27FC236}">
-                <a16:creationId xmlns:a16="http://schemas.microsoft.com/office/drawing/2014/main" id="{6AE53241-3C30-7440-96A3-EF460D371EB6}"/>
-              </a:ext>
-            </a:extLst>
-          </p:cNvPr>
-          <p:cNvSpPr/>
-          <p:nvPr/>
-        </p:nvSpPr>
-        <p:spPr>
-          <a:xfrm>
-            <a:off x="1416917" y="139105"/>
-            <a:ext cx="4184607" cy="5613254"/>
-          </a:xfrm>
-          <a:prstGeom prst="roundRect">
-            <a:avLst/>
-          </a:prstGeom>
-          <a:solidFill>
-            <a:schemeClr val="accent6">
-              <a:lumMod val="40000"/>
-              <a:lumOff val="60000"/>
-              <a:alpha val="14000"/>
-            </a:schemeClr>
-          </a:solidFill>
-        </p:spPr>
-        <p:style>
-          <a:lnRef idx="2">
-            <a:schemeClr val="accent1">
-              <a:shade val="50000"/>
-            </a:schemeClr>
-          </a:lnRef>
-          <a:fillRef idx="1">
-            <a:schemeClr val="accent1"/>
-          </a:fillRef>
-          <a:effectRef idx="0">
-            <a:schemeClr val="accent1"/>
-          </a:effectRef>
-          <a:fontRef idx="minor">
-            <a:schemeClr val="lt1"/>
-          </a:fontRef>
-        </p:style>
-        <p:txBody>
-          <a:bodyPr rtlCol="0" anchor="ctr"/>
-          <a:lstStyle/>
-          <a:p>
-            <a:pPr algn="ctr"/>
-            <a:endParaRPr lang="en-DE" sz="4000" b="1" dirty="0">
-              <a:ln w="9525">
-                <a:solidFill>
-                  <a:schemeClr val="bg1"/>
-                </a:solidFill>
-                <a:prstDash val="solid"/>
-              </a:ln>
-              <a:solidFill>
-                <a:schemeClr val="accent5"/>
-              </a:solidFill>
-              <a:effectLst>
-                <a:outerShdw blurRad="12700" dist="38100" dir="2700000" algn="tl" rotWithShape="0">
-                  <a:schemeClr val="accent5">
-                    <a:lumMod val="60000"/>
-                    <a:lumOff val="40000"/>
-                  </a:schemeClr>
-                </a:outerShdw>
-              </a:effectLst>
-            </a:endParaRPr>
-          </a:p>
-          <a:p>
-            <a:pPr algn="ctr"/>
-            <a:endParaRPr lang="en-DE" sz="4000" b="1" dirty="0">
-              <a:ln w="9525">
-                <a:solidFill>
-                  <a:schemeClr val="bg1"/>
-                </a:solidFill>
-                <a:prstDash val="solid"/>
-              </a:ln>
-              <a:solidFill>
-                <a:schemeClr val="accent5"/>
-              </a:solidFill>
-              <a:effectLst>
-                <a:outerShdw blurRad="12700" dist="38100" dir="2700000" algn="tl" rotWithShape="0">
-                  <a:schemeClr val="accent5">
-                    <a:lumMod val="60000"/>
-                    <a:lumOff val="40000"/>
-                  </a:schemeClr>
-                </a:outerShdw>
-              </a:effectLst>
-            </a:endParaRPr>
-          </a:p>
-          <a:p>
-            <a:pPr algn="ctr"/>
-            <a:endParaRPr lang="en-DE" sz="4000" b="1" dirty="0">
-              <a:ln w="9525">
-                <a:solidFill>
-                  <a:schemeClr val="bg1"/>
-                </a:solidFill>
-                <a:prstDash val="solid"/>
-              </a:ln>
-              <a:solidFill>
-                <a:schemeClr val="accent5"/>
-              </a:solidFill>
-              <a:effectLst>
-                <a:outerShdw blurRad="12700" dist="38100" dir="2700000" algn="tl" rotWithShape="0">
-                  <a:schemeClr val="accent5">
-                    <a:lumMod val="60000"/>
-                    <a:lumOff val="40000"/>
-                  </a:schemeClr>
-                </a:outerShdw>
-              </a:effectLst>
-            </a:endParaRPr>
-          </a:p>
-          <a:p>
-            <a:pPr algn="ctr"/>
-            <a:endParaRPr lang="en-DE" sz="4000" b="1" dirty="0">
-              <a:ln w="9525">
-                <a:solidFill>
-                  <a:schemeClr val="bg1"/>
-                </a:solidFill>
-                <a:prstDash val="solid"/>
-              </a:ln>
-              <a:solidFill>
-                <a:schemeClr val="accent5"/>
-              </a:solidFill>
-              <a:effectLst>
-                <a:outerShdw blurRad="12700" dist="38100" dir="2700000" algn="tl" rotWithShape="0">
-                  <a:schemeClr val="accent5">
-                    <a:lumMod val="60000"/>
-                    <a:lumOff val="40000"/>
-                  </a:schemeClr>
-                </a:outerShdw>
-              </a:effectLst>
-            </a:endParaRPr>
-          </a:p>
-          <a:p>
-            <a:pPr algn="ctr"/>
-            <a:endParaRPr lang="en-DE" sz="4000" b="1" dirty="0">
-              <a:ln w="9525">
-                <a:solidFill>
-                  <a:schemeClr val="bg1"/>
-                </a:solidFill>
-                <a:prstDash val="solid"/>
-              </a:ln>
-              <a:solidFill>
-                <a:schemeClr val="accent5"/>
-              </a:solidFill>
-              <a:effectLst>
-                <a:outerShdw blurRad="12700" dist="38100" dir="2700000" algn="tl" rotWithShape="0">
-                  <a:schemeClr val="accent5">
-                    <a:lumMod val="60000"/>
-                    <a:lumOff val="40000"/>
-                  </a:schemeClr>
-                </a:outerShdw>
-              </a:effectLst>
-            </a:endParaRPr>
-          </a:p>
-          <a:p>
-            <a:pPr algn="ctr"/>
-            <a:endParaRPr lang="en-DE" sz="4000" b="1" dirty="0">
-              <a:ln w="9525">
-                <a:solidFill>
-                  <a:schemeClr val="bg1"/>
-                </a:solidFill>
-                <a:prstDash val="solid"/>
-              </a:ln>
-              <a:solidFill>
-                <a:schemeClr val="accent5"/>
-              </a:solidFill>
-              <a:effectLst>
-                <a:outerShdw blurRad="12700" dist="38100" dir="2700000" algn="tl" rotWithShape="0">
-                  <a:schemeClr val="accent5">
-                    <a:lumMod val="60000"/>
-                    <a:lumOff val="40000"/>
-                  </a:schemeClr>
-                </a:outerShdw>
-              </a:effectLst>
-            </a:endParaRPr>
-          </a:p>
-          <a:p>
-            <a:pPr algn="ctr"/>
-            <a:endParaRPr lang="en-DE" sz="4000" b="1" dirty="0">
-              <a:ln w="9525">
-                <a:solidFill>
-                  <a:schemeClr val="bg1"/>
-                </a:solidFill>
-                <a:prstDash val="solid"/>
-              </a:ln>
-              <a:solidFill>
-                <a:schemeClr val="accent5"/>
-              </a:solidFill>
-              <a:effectLst>
-                <a:outerShdw blurRad="12700" dist="38100" dir="2700000" algn="tl" rotWithShape="0">
-                  <a:schemeClr val="accent5">
-                    <a:lumMod val="60000"/>
-                    <a:lumOff val="40000"/>
-                  </a:schemeClr>
-                </a:outerShdw>
-              </a:effectLst>
-            </a:endParaRPr>
-          </a:p>
-          <a:p>
-            <a:pPr algn="ctr"/>
-            <a:r>
-              <a:rPr lang="en-DE" sz="4000" b="1" dirty="0">
+              </a:endParaRPr>
+            </a:p>
+            <a:p>
+              <a:pPr algn="ctr"/>
+              <a:endParaRPr lang="en-DE" dirty="0"/>
+            </a:p>
+            <a:p>
+              <a:pPr algn="ctr"/>
+              <a:endParaRPr lang="en-DE" dirty="0"/>
+            </a:p>
+            <a:p>
+              <a:pPr algn="ctr"/>
+              <a:endParaRPr lang="en-DE" dirty="0"/>
+            </a:p>
+            <a:p>
+              <a:pPr algn="ctr"/>
+              <a:endParaRPr lang="en-DE" dirty="0"/>
+            </a:p>
+            <a:p>
+              <a:pPr algn="ctr"/>
+              <a:endParaRPr lang="en-DE" dirty="0"/>
+            </a:p>
+            <a:p>
+              <a:pPr algn="ctr"/>
+              <a:endParaRPr lang="en-DE" dirty="0"/>
+            </a:p>
+            <a:p>
+              <a:pPr algn="ctr"/>
+              <a:endParaRPr lang="en-DE" dirty="0"/>
+            </a:p>
+            <a:p>
+              <a:pPr algn="ctr"/>
+              <a:endParaRPr lang="en-DE" dirty="0"/>
+            </a:p>
+            <a:p>
+              <a:pPr algn="ctr"/>
+              <a:endParaRPr lang="en-DE" dirty="0"/>
+            </a:p>
+            <a:p>
+              <a:pPr algn="ctr"/>
+              <a:endParaRPr lang="en-DE" dirty="0"/>
+            </a:p>
+            <a:p>
+              <a:pPr algn="ctr"/>
+              <a:endParaRPr lang="en-DE" dirty="0"/>
+            </a:p>
+            <a:p>
+              <a:pPr algn="ctr"/>
+              <a:endParaRPr lang="en-DE" dirty="0"/>
+            </a:p>
+            <a:p>
+              <a:pPr algn="ctr"/>
+              <a:endParaRPr lang="en-DE" dirty="0"/>
+            </a:p>
+            <a:p>
+              <a:pPr algn="ctr"/>
+              <a:endParaRPr lang="en-DE" dirty="0"/>
+            </a:p>
+            <a:p>
+              <a:pPr algn="ctr"/>
+              <a:endParaRPr lang="en-DE" dirty="0"/>
+            </a:p>
+          </p:txBody>
+        </p:sp>
+        <p:sp>
+          <p:nvSpPr>
+            <p:cNvPr id="58" name="Up-down Arrow 57">
+              <a:extLst>
+                <a:ext uri="{FF2B5EF4-FFF2-40B4-BE49-F238E27FC236}">
+                  <a16:creationId xmlns:a16="http://schemas.microsoft.com/office/drawing/2014/main" id="{2923C852-8521-2842-8141-8500CE259C96}"/>
+                </a:ext>
+              </a:extLst>
+            </p:cNvPr>
+            <p:cNvSpPr/>
+            <p:nvPr/>
+          </p:nvSpPr>
+          <p:spPr>
+            <a:xfrm>
+              <a:off x="8099673" y="3524475"/>
+              <a:ext cx="268089" cy="808074"/>
+            </a:xfrm>
+            <a:prstGeom prst="upDownArrow">
+              <a:avLst/>
+            </a:prstGeom>
+          </p:spPr>
+          <p:style>
+            <a:lnRef idx="2">
+              <a:schemeClr val="accent1">
+                <a:shade val="50000"/>
+              </a:schemeClr>
+            </a:lnRef>
+            <a:fillRef idx="1">
+              <a:schemeClr val="accent1"/>
+            </a:fillRef>
+            <a:effectRef idx="0">
+              <a:schemeClr val="accent1"/>
+            </a:effectRef>
+            <a:fontRef idx="minor">
+              <a:schemeClr val="lt1"/>
+            </a:fontRef>
+          </p:style>
+          <p:txBody>
+            <a:bodyPr rtlCol="0" anchor="ctr"/>
+            <a:lstStyle/>
+            <a:p>
+              <a:pPr algn="ctr"/>
+              <a:endParaRPr lang="en-DE"/>
+            </a:p>
+          </p:txBody>
+        </p:sp>
+        <p:sp>
+          <p:nvSpPr>
+            <p:cNvPr id="59" name="Left-up Arrow 58">
+              <a:extLst>
+                <a:ext uri="{FF2B5EF4-FFF2-40B4-BE49-F238E27FC236}">
+                  <a16:creationId xmlns:a16="http://schemas.microsoft.com/office/drawing/2014/main" id="{1DC68DBD-25A4-4F47-8F4A-294CC7480355}"/>
+                </a:ext>
+              </a:extLst>
+            </p:cNvPr>
+            <p:cNvSpPr/>
+            <p:nvPr/>
+          </p:nvSpPr>
+          <p:spPr>
+            <a:xfrm flipV="1">
+              <a:off x="7406217" y="1768199"/>
+              <a:ext cx="502006" cy="787467"/>
+            </a:xfrm>
+            <a:prstGeom prst="leftUpArrow">
+              <a:avLst/>
+            </a:prstGeom>
+          </p:spPr>
+          <p:style>
+            <a:lnRef idx="2">
+              <a:schemeClr val="accent1">
+                <a:shade val="50000"/>
+              </a:schemeClr>
+            </a:lnRef>
+            <a:fillRef idx="1">
+              <a:schemeClr val="accent1"/>
+            </a:fillRef>
+            <a:effectRef idx="0">
+              <a:schemeClr val="accent1"/>
+            </a:effectRef>
+            <a:fontRef idx="minor">
+              <a:schemeClr val="lt1"/>
+            </a:fontRef>
+          </p:style>
+          <p:txBody>
+            <a:bodyPr rtlCol="0" anchor="ctr"/>
+            <a:lstStyle/>
+            <a:p>
+              <a:pPr algn="ctr"/>
+              <a:endParaRPr lang="en-DE"/>
+            </a:p>
+          </p:txBody>
+        </p:sp>
+        <p:sp>
+          <p:nvSpPr>
+            <p:cNvPr id="60" name="Rounded Rectangle 59">
+              <a:extLst>
+                <a:ext uri="{FF2B5EF4-FFF2-40B4-BE49-F238E27FC236}">
+                  <a16:creationId xmlns:a16="http://schemas.microsoft.com/office/drawing/2014/main" id="{6AE53241-3C30-7440-96A3-EF460D371EB6}"/>
+                </a:ext>
+              </a:extLst>
+            </p:cNvPr>
+            <p:cNvSpPr/>
+            <p:nvPr/>
+          </p:nvSpPr>
+          <p:spPr>
+            <a:xfrm>
+              <a:off x="1421912" y="330708"/>
+              <a:ext cx="3968039" cy="5613254"/>
+            </a:xfrm>
+            <a:prstGeom prst="roundRect">
+              <a:avLst/>
+            </a:prstGeom>
+            <a:solidFill>
+              <a:schemeClr val="accent6">
+                <a:lumMod val="40000"/>
+                <a:lumOff val="60000"/>
+                <a:alpha val="14000"/>
+              </a:schemeClr>
+            </a:solidFill>
+          </p:spPr>
+          <p:style>
+            <a:lnRef idx="2">
+              <a:schemeClr val="accent1">
+                <a:shade val="50000"/>
+              </a:schemeClr>
+            </a:lnRef>
+            <a:fillRef idx="1">
+              <a:schemeClr val="accent1"/>
+            </a:fillRef>
+            <a:effectRef idx="0">
+              <a:schemeClr val="accent1"/>
+            </a:effectRef>
+            <a:fontRef idx="minor">
+              <a:schemeClr val="lt1"/>
+            </a:fontRef>
+          </p:style>
+          <p:txBody>
+            <a:bodyPr rtlCol="0" anchor="ctr"/>
+            <a:lstStyle/>
+            <a:p>
+              <a:pPr algn="ctr"/>
+              <a:endParaRPr lang="en-DE" sz="4000" b="1" dirty="0">
                 <a:ln w="9525">
                   <a:solidFill>
                     <a:schemeClr val="bg1"/>
@@ -4457,10 +4322,7 @@
                   <a:prstDash val="solid"/>
                 </a:ln>
                 <a:solidFill>
-                  <a:schemeClr val="accent6">
-                    <a:lumMod val="40000"/>
-                    <a:lumOff val="60000"/>
-                  </a:schemeClr>
+                  <a:schemeClr val="accent5"/>
                 </a:solidFill>
                 <a:effectLst>
                   <a:outerShdw blurRad="12700" dist="38100" dir="2700000" algn="tl" rotWithShape="0">
@@ -4470,12 +4332,171 @@
                     </a:schemeClr>
                   </a:outerShdw>
                 </a:effectLst>
-              </a:rPr>
-              <a:t>Mechanic part</a:t>
-            </a:r>
-          </a:p>
-        </p:txBody>
-      </p:sp>
+              </a:endParaRPr>
+            </a:p>
+            <a:p>
+              <a:pPr algn="ctr"/>
+              <a:endParaRPr lang="en-DE" sz="4000" b="1" dirty="0">
+                <a:ln w="9525">
+                  <a:solidFill>
+                    <a:schemeClr val="bg1"/>
+                  </a:solidFill>
+                  <a:prstDash val="solid"/>
+                </a:ln>
+                <a:solidFill>
+                  <a:schemeClr val="accent5"/>
+                </a:solidFill>
+                <a:effectLst>
+                  <a:outerShdw blurRad="12700" dist="38100" dir="2700000" algn="tl" rotWithShape="0">
+                    <a:schemeClr val="accent5">
+                      <a:lumMod val="60000"/>
+                      <a:lumOff val="40000"/>
+                    </a:schemeClr>
+                  </a:outerShdw>
+                </a:effectLst>
+              </a:endParaRPr>
+            </a:p>
+            <a:p>
+              <a:pPr algn="ctr"/>
+              <a:endParaRPr lang="en-DE" sz="4000" b="1" dirty="0">
+                <a:ln w="9525">
+                  <a:solidFill>
+                    <a:schemeClr val="bg1"/>
+                  </a:solidFill>
+                  <a:prstDash val="solid"/>
+                </a:ln>
+                <a:solidFill>
+                  <a:schemeClr val="accent5"/>
+                </a:solidFill>
+                <a:effectLst>
+                  <a:outerShdw blurRad="12700" dist="38100" dir="2700000" algn="tl" rotWithShape="0">
+                    <a:schemeClr val="accent5">
+                      <a:lumMod val="60000"/>
+                      <a:lumOff val="40000"/>
+                    </a:schemeClr>
+                  </a:outerShdw>
+                </a:effectLst>
+              </a:endParaRPr>
+            </a:p>
+            <a:p>
+              <a:pPr algn="ctr"/>
+              <a:endParaRPr lang="en-DE" sz="4000" b="1" dirty="0">
+                <a:ln w="9525">
+                  <a:solidFill>
+                    <a:schemeClr val="bg1"/>
+                  </a:solidFill>
+                  <a:prstDash val="solid"/>
+                </a:ln>
+                <a:solidFill>
+                  <a:schemeClr val="accent5"/>
+                </a:solidFill>
+                <a:effectLst>
+                  <a:outerShdw blurRad="12700" dist="38100" dir="2700000" algn="tl" rotWithShape="0">
+                    <a:schemeClr val="accent5">
+                      <a:lumMod val="60000"/>
+                      <a:lumOff val="40000"/>
+                    </a:schemeClr>
+                  </a:outerShdw>
+                </a:effectLst>
+              </a:endParaRPr>
+            </a:p>
+            <a:p>
+              <a:pPr algn="ctr"/>
+              <a:endParaRPr lang="en-DE" sz="4000" b="1" dirty="0">
+                <a:ln w="9525">
+                  <a:solidFill>
+                    <a:schemeClr val="bg1"/>
+                  </a:solidFill>
+                  <a:prstDash val="solid"/>
+                </a:ln>
+                <a:solidFill>
+                  <a:schemeClr val="accent5"/>
+                </a:solidFill>
+                <a:effectLst>
+                  <a:outerShdw blurRad="12700" dist="38100" dir="2700000" algn="tl" rotWithShape="0">
+                    <a:schemeClr val="accent5">
+                      <a:lumMod val="60000"/>
+                      <a:lumOff val="40000"/>
+                    </a:schemeClr>
+                  </a:outerShdw>
+                </a:effectLst>
+              </a:endParaRPr>
+            </a:p>
+            <a:p>
+              <a:pPr algn="ctr"/>
+              <a:endParaRPr lang="en-DE" sz="4000" b="1" dirty="0">
+                <a:ln w="9525">
+                  <a:solidFill>
+                    <a:schemeClr val="bg1"/>
+                  </a:solidFill>
+                  <a:prstDash val="solid"/>
+                </a:ln>
+                <a:solidFill>
+                  <a:schemeClr val="accent5"/>
+                </a:solidFill>
+                <a:effectLst>
+                  <a:outerShdw blurRad="12700" dist="38100" dir="2700000" algn="tl" rotWithShape="0">
+                    <a:schemeClr val="accent5">
+                      <a:lumMod val="60000"/>
+                      <a:lumOff val="40000"/>
+                    </a:schemeClr>
+                  </a:outerShdw>
+                </a:effectLst>
+              </a:endParaRPr>
+            </a:p>
+            <a:p>
+              <a:pPr algn="ctr"/>
+              <a:endParaRPr lang="en-DE" sz="4000" b="1" dirty="0">
+                <a:ln w="9525">
+                  <a:solidFill>
+                    <a:schemeClr val="bg1"/>
+                  </a:solidFill>
+                  <a:prstDash val="solid"/>
+                </a:ln>
+                <a:solidFill>
+                  <a:schemeClr val="accent5"/>
+                </a:solidFill>
+                <a:effectLst>
+                  <a:outerShdw blurRad="12700" dist="38100" dir="2700000" algn="tl" rotWithShape="0">
+                    <a:schemeClr val="accent5">
+                      <a:lumMod val="60000"/>
+                      <a:lumOff val="40000"/>
+                    </a:schemeClr>
+                  </a:outerShdw>
+                </a:effectLst>
+              </a:endParaRPr>
+            </a:p>
+            <a:p>
+              <a:pPr algn="ctr"/>
+              <a:r>
+                <a:rPr lang="en-DE" sz="4000" b="1" dirty="0">
+                  <a:ln w="9525">
+                    <a:solidFill>
+                      <a:schemeClr val="bg1"/>
+                    </a:solidFill>
+                    <a:prstDash val="solid"/>
+                  </a:ln>
+                  <a:solidFill>
+                    <a:schemeClr val="accent6">
+                      <a:lumMod val="40000"/>
+                      <a:lumOff val="60000"/>
+                    </a:schemeClr>
+                  </a:solidFill>
+                  <a:effectLst>
+                    <a:outerShdw blurRad="12700" dist="38100" dir="2700000" algn="tl" rotWithShape="0">
+                      <a:schemeClr val="accent5">
+                        <a:lumMod val="60000"/>
+                        <a:lumOff val="40000"/>
+                      </a:schemeClr>
+                    </a:outerShdw>
+                  </a:effectLst>
+                </a:rPr>
+                <a:t>Mechanic part</a:t>
+              </a:r>
+            </a:p>
+          </p:txBody>
+        </p:sp>
+      </p:grpSp>
     </p:spTree>
     <p:extLst>
       <p:ext uri="{BB962C8B-B14F-4D97-AF65-F5344CB8AC3E}">
